--- a/Угадай-ка город.pptx
+++ b/Угадай-ка город.pptx
@@ -136,14 +136,6 @@
     </p:ext>
   </p:extLst>
 </p:presentation>
-</file>
-
-<file path=ppt/revisionInfo.xml><?xml version="1.0" encoding="utf-8"?>
-<p1510:revInfo xmlns:a="http://schemas.openxmlformats.org/drawingml/2006/main" xmlns:r="http://schemas.openxmlformats.org/officeDocument/2006/relationships" xmlns:p1510="http://schemas.microsoft.com/office/powerpoint/2015/10/main">
-  <p1510:revLst>
-    <p1510:client id="{DAE59E84-FC6E-4EFA-9179-45433A5CCFFB}" v="9" dt="2025-05-18T11:08:01.158"/>
-  </p1510:revLst>
-</p1510:revInfo>
 </file>
 
 <file path=ppt/handoutMasters/handoutMaster1.xml><?xml version="1.0" encoding="utf-8"?>
@@ -5957,7 +5949,7 @@
                   <a:schemeClr val="bg1"/>
                 </a:solidFill>
               </a:rPr>
-              <a:t>, game, </a:t>
+              <a:t>, </a:t>
             </a:r>
             <a:r>
               <a:rPr lang="en-US" dirty="0" err="1">
@@ -5965,7 +5957,7 @@
                   <a:schemeClr val="bg1"/>
                 </a:solidFill>
               </a:rPr>
-              <a:t>werkzeug.security</a:t>
+              <a:t>erkzeug.security</a:t>
             </a:r>
             <a:r>
               <a:rPr lang="en-US" dirty="0">
@@ -6145,7 +6137,15 @@
                   <a:schemeClr val="bg1"/>
                 </a:solidFill>
               </a:rPr>
-              <a:t>HTML </a:t>
+              <a:t>HTML.</a:t>
+            </a:r>
+            <a:r>
+              <a:rPr lang="ru-RU">
+                <a:solidFill>
+                  <a:schemeClr val="bg1"/>
+                </a:solidFill>
+              </a:rPr>
+              <a:t> Статика </a:t>
             </a:r>
             <a:r>
               <a:rPr lang="ru-RU" dirty="0">
@@ -6153,23 +6153,7 @@
                   <a:schemeClr val="bg1"/>
                 </a:solidFill>
               </a:rPr>
-              <a:t>из </a:t>
-            </a:r>
-            <a:r>
-              <a:rPr lang="en-US" dirty="0">
-                <a:solidFill>
-                  <a:schemeClr val="bg1"/>
-                </a:solidFill>
-              </a:rPr>
-              <a:t>templates.</a:t>
-            </a:r>
-            <a:r>
-              <a:rPr lang="ru-RU" dirty="0">
-                <a:solidFill>
-                  <a:schemeClr val="bg1"/>
-                </a:solidFill>
-              </a:rPr>
-              <a:t>Статика (</a:t>
+              <a:t>(</a:t>
             </a:r>
             <a:r>
               <a:rPr lang="en-US" dirty="0">
